--- a/ch.bfh.bti7081.s2013.red/doc/task02/P_Task01_Task02.pptx
+++ b/ch.bfh.bti7081.s2013.red/doc/task02/P_Task01_Task02.pptx
@@ -1,6 +1,6 @@
 
 <file path=ppt/presentation.xml><?xml version="1.0" encoding="utf-8"?>
-<p:presentation xmlns:a="http://schemas.openxmlformats.org/drawingml/2006/main" xmlns:r="http://schemas.openxmlformats.org/officeDocument/2006/relationships" xmlns:p="http://schemas.openxmlformats.org/presentationml/2006/main" saveSubsetFonts="1" autoCompressPictures="0">
+<p:presentation xmlns:a="http://schemas.openxmlformats.org/drawingml/2006/main" xmlns:r="http://schemas.openxmlformats.org/officeDocument/2006/relationships" xmlns:p="http://schemas.openxmlformats.org/presentationml/2006/main" serverZoom="23636" saveSubsetFonts="1" autoCompressPictures="0">
   <p:sldMasterIdLst>
     <p:sldMasterId id="2147483660" r:id="rId1"/>
   </p:sldMasterIdLst>
@@ -436,7 +436,8 @@
           <a:p>
             <a:fld id="{989EECA0-FB30-554E-BB66-ECF4BC5A4840}" type="datetimeFigureOut">
               <a:rPr lang="de-DE" smtClean="0"/>
-              <a:t>01.03.13</a:t>
+              <a:pPr/>
+              <a:t>01.03.2013</a:t>
             </a:fld>
             <a:endParaRPr lang="de-DE"/>
           </a:p>
@@ -517,6 +518,7 @@
           <a:p>
             <a:fld id="{FD035E3B-2F65-4648-B564-234F4C544731}" type="slidenum">
               <a:rPr lang="de-DE" smtClean="0"/>
+              <a:pPr/>
               <a:t>‹Nr.›</a:t>
             </a:fld>
             <a:endParaRPr lang="de-DE"/>
@@ -723,7 +725,8 @@
           <a:p>
             <a:fld id="{989EECA0-FB30-554E-BB66-ECF4BC5A4840}" type="datetimeFigureOut">
               <a:rPr lang="de-DE" smtClean="0"/>
-              <a:t>01.03.13</a:t>
+              <a:pPr/>
+              <a:t>01.03.2013</a:t>
             </a:fld>
             <a:endParaRPr lang="de-DE"/>
           </a:p>
@@ -765,6 +768,7 @@
           <a:p>
             <a:fld id="{FD035E3B-2F65-4648-B564-234F4C544731}" type="slidenum">
               <a:rPr lang="de-DE" smtClean="0"/>
+              <a:pPr/>
               <a:t>‹Nr.›</a:t>
             </a:fld>
             <a:endParaRPr lang="de-DE"/>
@@ -1145,7 +1149,8 @@
           <a:p>
             <a:fld id="{989EECA0-FB30-554E-BB66-ECF4BC5A4840}" type="datetimeFigureOut">
               <a:rPr lang="de-DE" smtClean="0"/>
-              <a:t>01.03.13</a:t>
+              <a:pPr/>
+              <a:t>01.03.2013</a:t>
             </a:fld>
             <a:endParaRPr lang="de-DE"/>
           </a:p>
@@ -1187,6 +1192,7 @@
           <a:p>
             <a:fld id="{FD035E3B-2F65-4648-B564-234F4C544731}" type="slidenum">
               <a:rPr lang="de-DE" smtClean="0"/>
+              <a:pPr/>
               <a:t>‹Nr.›</a:t>
             </a:fld>
             <a:endParaRPr lang="de-DE"/>
@@ -1562,7 +1568,8 @@
           <a:p>
             <a:fld id="{989EECA0-FB30-554E-BB66-ECF4BC5A4840}" type="datetimeFigureOut">
               <a:rPr lang="de-DE" smtClean="0"/>
-              <a:t>01.03.13</a:t>
+              <a:pPr/>
+              <a:t>01.03.2013</a:t>
             </a:fld>
             <a:endParaRPr lang="de-DE"/>
           </a:p>
@@ -1604,6 +1611,7 @@
           <a:p>
             <a:fld id="{FD035E3B-2F65-4648-B564-234F4C544731}" type="slidenum">
               <a:rPr lang="de-DE" smtClean="0"/>
+              <a:pPr/>
               <a:t>‹Nr.›</a:t>
             </a:fld>
             <a:endParaRPr lang="de-DE"/>
@@ -1695,7 +1703,8 @@
           <a:p>
             <a:fld id="{989EECA0-FB30-554E-BB66-ECF4BC5A4840}" type="datetimeFigureOut">
               <a:rPr lang="de-DE" smtClean="0"/>
-              <a:t>01.03.13</a:t>
+              <a:pPr/>
+              <a:t>01.03.2013</a:t>
             </a:fld>
             <a:endParaRPr lang="de-DE"/>
           </a:p>
@@ -1737,6 +1746,7 @@
           <a:p>
             <a:fld id="{FD035E3B-2F65-4648-B564-234F4C544731}" type="slidenum">
               <a:rPr lang="de-DE" smtClean="0"/>
+              <a:pPr/>
               <a:t>‹Nr.›</a:t>
             </a:fld>
             <a:endParaRPr lang="de-DE"/>
@@ -2017,7 +2027,8 @@
           <a:p>
             <a:fld id="{989EECA0-FB30-554E-BB66-ECF4BC5A4840}" type="datetimeFigureOut">
               <a:rPr lang="de-DE" smtClean="0"/>
-              <a:t>01.03.13</a:t>
+              <a:pPr/>
+              <a:t>01.03.2013</a:t>
             </a:fld>
             <a:endParaRPr lang="de-DE"/>
           </a:p>
@@ -2059,6 +2070,7 @@
           <a:p>
             <a:fld id="{FD035E3B-2F65-4648-B564-234F4C544731}" type="slidenum">
               <a:rPr lang="de-DE" smtClean="0"/>
+              <a:pPr/>
               <a:t>‹Nr.›</a:t>
             </a:fld>
             <a:endParaRPr lang="de-DE"/>
@@ -2261,7 +2273,8 @@
           <a:p>
             <a:fld id="{989EECA0-FB30-554E-BB66-ECF4BC5A4840}" type="datetimeFigureOut">
               <a:rPr lang="de-DE" smtClean="0"/>
-              <a:t>01.03.13</a:t>
+              <a:pPr/>
+              <a:t>01.03.2013</a:t>
             </a:fld>
             <a:endParaRPr lang="de-DE"/>
           </a:p>
@@ -2308,6 +2321,7 @@
           <a:p>
             <a:fld id="{FD035E3B-2F65-4648-B564-234F4C544731}" type="slidenum">
               <a:rPr lang="de-DE" smtClean="0"/>
+              <a:pPr/>
               <a:t>‹Nr.›</a:t>
             </a:fld>
             <a:endParaRPr lang="de-DE"/>
@@ -2599,7 +2613,8 @@
           <a:p>
             <a:fld id="{989EECA0-FB30-554E-BB66-ECF4BC5A4840}" type="datetimeFigureOut">
               <a:rPr lang="de-DE" smtClean="0"/>
-              <a:t>01.03.13</a:t>
+              <a:pPr/>
+              <a:t>01.03.2013</a:t>
             </a:fld>
             <a:endParaRPr lang="de-DE"/>
           </a:p>
@@ -2641,6 +2656,7 @@
           <a:p>
             <a:fld id="{FD035E3B-2F65-4648-B564-234F4C544731}" type="slidenum">
               <a:rPr lang="de-DE" smtClean="0"/>
+              <a:pPr/>
               <a:t>‹Nr.›</a:t>
             </a:fld>
             <a:endParaRPr lang="de-DE"/>
@@ -2899,7 +2915,8 @@
           <a:p>
             <a:fld id="{989EECA0-FB30-554E-BB66-ECF4BC5A4840}" type="datetimeFigureOut">
               <a:rPr lang="de-DE" smtClean="0"/>
-              <a:t>01.03.13</a:t>
+              <a:pPr/>
+              <a:t>01.03.2013</a:t>
             </a:fld>
             <a:endParaRPr lang="de-DE"/>
           </a:p>
@@ -2941,6 +2958,7 @@
           <a:p>
             <a:fld id="{FD035E3B-2F65-4648-B564-234F4C544731}" type="slidenum">
               <a:rPr lang="de-DE" smtClean="0"/>
+              <a:pPr/>
               <a:t>‹Nr.›</a:t>
             </a:fld>
             <a:endParaRPr lang="de-DE"/>
@@ -3306,7 +3324,8 @@
           <a:p>
             <a:fld id="{989EECA0-FB30-554E-BB66-ECF4BC5A4840}" type="datetimeFigureOut">
               <a:rPr lang="de-DE" smtClean="0"/>
-              <a:t>01.03.13</a:t>
+              <a:pPr/>
+              <a:t>01.03.2013</a:t>
             </a:fld>
             <a:endParaRPr lang="de-DE"/>
           </a:p>
@@ -3348,6 +3367,7 @@
           <a:p>
             <a:fld id="{FD035E3B-2F65-4648-B564-234F4C544731}" type="slidenum">
               <a:rPr lang="de-DE" smtClean="0"/>
+              <a:pPr/>
               <a:t>‹Nr.›</a:t>
             </a:fld>
             <a:endParaRPr lang="de-DE"/>
@@ -3528,7 +3548,8 @@
           <a:p>
             <a:fld id="{989EECA0-FB30-554E-BB66-ECF4BC5A4840}" type="datetimeFigureOut">
               <a:rPr lang="de-DE" smtClean="0"/>
-              <a:t>01.03.13</a:t>
+              <a:pPr/>
+              <a:t>01.03.2013</a:t>
             </a:fld>
             <a:endParaRPr lang="de-DE"/>
           </a:p>
@@ -3570,6 +3591,7 @@
           <a:p>
             <a:fld id="{FD035E3B-2F65-4648-B564-234F4C544731}" type="slidenum">
               <a:rPr lang="de-DE" smtClean="0"/>
+              <a:pPr/>
               <a:t>‹Nr.›</a:t>
             </a:fld>
             <a:endParaRPr lang="de-DE"/>
@@ -3745,7 +3767,8 @@
           <a:p>
             <a:fld id="{989EECA0-FB30-554E-BB66-ECF4BC5A4840}" type="datetimeFigureOut">
               <a:rPr lang="de-DE" smtClean="0"/>
-              <a:t>01.03.13</a:t>
+              <a:pPr/>
+              <a:t>01.03.2013</a:t>
             </a:fld>
             <a:endParaRPr lang="de-DE"/>
           </a:p>
@@ -3799,6 +3822,7 @@
           <a:p>
             <a:fld id="{FD035E3B-2F65-4648-B564-234F4C544731}" type="slidenum">
               <a:rPr lang="de-DE" smtClean="0"/>
+              <a:pPr/>
               <a:t>‹Nr.›</a:t>
             </a:fld>
             <a:endParaRPr lang="de-DE"/>
@@ -4062,7 +4086,8 @@
           <a:p>
             <a:fld id="{989EECA0-FB30-554E-BB66-ECF4BC5A4840}" type="datetimeFigureOut">
               <a:rPr lang="de-DE" smtClean="0"/>
-              <a:t>01.03.13</a:t>
+              <a:pPr/>
+              <a:t>01.03.2013</a:t>
             </a:fld>
             <a:endParaRPr lang="de-DE"/>
           </a:p>
@@ -4128,6 +4153,7 @@
           <a:p>
             <a:fld id="{FD035E3B-2F65-4648-B564-234F4C544731}" type="slidenum">
               <a:rPr lang="de-DE" smtClean="0"/>
+              <a:pPr/>
               <a:t>‹Nr.›</a:t>
             </a:fld>
             <a:endParaRPr lang="de-DE"/>
@@ -4389,7 +4415,8 @@
           <a:p>
             <a:fld id="{989EECA0-FB30-554E-BB66-ECF4BC5A4840}" type="datetimeFigureOut">
               <a:rPr lang="de-DE" smtClean="0"/>
-              <a:t>01.03.13</a:t>
+              <a:pPr/>
+              <a:t>01.03.2013</a:t>
             </a:fld>
             <a:endParaRPr lang="de-DE"/>
           </a:p>
@@ -4441,6 +4468,7 @@
           <a:p>
             <a:fld id="{FD035E3B-2F65-4648-B564-234F4C544731}" type="slidenum">
               <a:rPr lang="de-DE" smtClean="0"/>
+              <a:pPr/>
               <a:t>‹Nr.›</a:t>
             </a:fld>
             <a:endParaRPr lang="de-DE"/>
@@ -4724,7 +4752,8 @@
           <a:p>
             <a:fld id="{989EECA0-FB30-554E-BB66-ECF4BC5A4840}" type="datetimeFigureOut">
               <a:rPr lang="de-DE" smtClean="0"/>
-              <a:t>01.03.13</a:t>
+              <a:pPr/>
+              <a:t>01.03.2013</a:t>
             </a:fld>
             <a:endParaRPr lang="de-DE"/>
           </a:p>
@@ -4771,6 +4800,7 @@
           <a:p>
             <a:fld id="{FD035E3B-2F65-4648-B564-234F4C544731}" type="slidenum">
               <a:rPr lang="de-DE" smtClean="0"/>
+              <a:pPr/>
               <a:t>‹Nr.›</a:t>
             </a:fld>
             <a:endParaRPr lang="de-DE"/>
@@ -5021,6 +5051,7 @@
           <a:p>
             <a:fld id="{FD035E3B-2F65-4648-B564-234F4C544731}" type="slidenum">
               <a:rPr lang="de-DE" smtClean="0"/>
+              <a:pPr/>
               <a:t>‹Nr.›</a:t>
             </a:fld>
             <a:endParaRPr lang="de-DE"/>
@@ -5347,7 +5378,8 @@
           <a:p>
             <a:fld id="{989EECA0-FB30-554E-BB66-ECF4BC5A4840}" type="datetimeFigureOut">
               <a:rPr lang="de-DE" smtClean="0"/>
-              <a:t>01.03.13</a:t>
+              <a:pPr/>
+              <a:t>01.03.2013</a:t>
             </a:fld>
             <a:endParaRPr lang="de-DE"/>
           </a:p>
@@ -5389,6 +5421,7 @@
           <a:p>
             <a:fld id="{FD035E3B-2F65-4648-B564-234F4C544731}" type="slidenum">
               <a:rPr lang="de-DE" smtClean="0"/>
+              <a:pPr/>
               <a:t>‹Nr.›</a:t>
             </a:fld>
             <a:endParaRPr lang="de-DE"/>
@@ -5834,7 +5867,8 @@
           <a:p>
             <a:fld id="{989EECA0-FB30-554E-BB66-ECF4BC5A4840}" type="datetimeFigureOut">
               <a:rPr lang="de-DE" smtClean="0"/>
-              <a:t>01.03.13</a:t>
+              <a:pPr/>
+              <a:t>01.03.2013</a:t>
             </a:fld>
             <a:endParaRPr lang="de-DE"/>
           </a:p>
@@ -5876,6 +5910,7 @@
           <a:p>
             <a:fld id="{FD035E3B-2F65-4648-B564-234F4C544731}" type="slidenum">
               <a:rPr lang="de-DE" smtClean="0"/>
+              <a:pPr/>
               <a:t>‹Nr.›</a:t>
             </a:fld>
             <a:endParaRPr lang="de-DE"/>
@@ -6082,7 +6117,8 @@
           <a:p>
             <a:fld id="{989EECA0-FB30-554E-BB66-ECF4BC5A4840}" type="datetimeFigureOut">
               <a:rPr lang="de-DE" smtClean="0"/>
-              <a:t>01.03.13</a:t>
+              <a:pPr/>
+              <a:t>01.03.2013</a:t>
             </a:fld>
             <a:endParaRPr lang="de-DE"/>
           </a:p>
@@ -6124,6 +6160,7 @@
           <a:p>
             <a:fld id="{FD035E3B-2F65-4648-B564-234F4C544731}" type="slidenum">
               <a:rPr lang="de-DE" smtClean="0"/>
+              <a:pPr/>
               <a:t>‹Nr.›</a:t>
             </a:fld>
             <a:endParaRPr lang="de-DE"/>
@@ -6378,7 +6415,8 @@
           <a:p>
             <a:fld id="{989EECA0-FB30-554E-BB66-ECF4BC5A4840}" type="datetimeFigureOut">
               <a:rPr lang="de-DE" smtClean="0"/>
-              <a:t>01.03.13</a:t>
+              <a:pPr/>
+              <a:t>01.03.2013</a:t>
             </a:fld>
             <a:endParaRPr lang="de-DE"/>
           </a:p>
@@ -6456,6 +6494,7 @@
           <a:p>
             <a:fld id="{FD035E3B-2F65-4648-B564-234F4C544731}" type="slidenum">
               <a:rPr lang="de-DE" smtClean="0"/>
+              <a:pPr/>
               <a:t>‹Nr.›</a:t>
             </a:fld>
             <a:endParaRPr lang="de-DE"/>
@@ -6841,7 +6880,7 @@
     </p:spTree>
     <p:extLst>
       <p:ext uri="{BB962C8B-B14F-4D97-AF65-F5344CB8AC3E}">
-        <p14:creationId xmlns:p14="http://schemas.microsoft.com/office/powerpoint/2010/main" val="2379335397"/>
+        <p14:creationId xmlns:p14="http://schemas.microsoft.com/office/powerpoint/2010/main" xmlns="" val="2379335397"/>
       </p:ext>
     </p:extLst>
   </p:cSld>
@@ -6980,7 +7019,7 @@
     </p:spTree>
     <p:extLst>
       <p:ext uri="{BB962C8B-B14F-4D97-AF65-F5344CB8AC3E}">
-        <p14:creationId xmlns:p14="http://schemas.microsoft.com/office/powerpoint/2010/main" val="2778256786"/>
+        <p14:creationId xmlns:p14="http://schemas.microsoft.com/office/powerpoint/2010/main" xmlns="" val="2778256786"/>
       </p:ext>
     </p:extLst>
   </p:cSld>
@@ -6990,7 +7029,7 @@
   <p:timing>
     <p:tnLst>
       <p:par>
-        <p:cTn xmlns:p14="http://schemas.microsoft.com/office/powerpoint/2010/main" id="1" dur="indefinite" restart="never" nodeType="tmRoot"/>
+        <p:cTn id="1" dur="indefinite" restart="never" nodeType="tmRoot"/>
       </p:par>
     </p:tnLst>
   </p:timing>
@@ -7138,7 +7177,7 @@
     </p:spTree>
     <p:extLst>
       <p:ext uri="{BB962C8B-B14F-4D97-AF65-F5344CB8AC3E}">
-        <p14:creationId xmlns:p14="http://schemas.microsoft.com/office/powerpoint/2010/main" val="1907135837"/>
+        <p14:creationId xmlns:p14="http://schemas.microsoft.com/office/powerpoint/2010/main" xmlns="" val="1907135837"/>
       </p:ext>
     </p:extLst>
   </p:cSld>
@@ -7148,7 +7187,7 @@
   <p:timing>
     <p:tnLst>
       <p:par>
-        <p:cTn xmlns:p14="http://schemas.microsoft.com/office/powerpoint/2010/main" id="1" dur="indefinite" restart="never" nodeType="tmRoot"/>
+        <p:cTn id="1" dur="indefinite" restart="never" nodeType="tmRoot"/>
       </p:par>
     </p:tnLst>
   </p:timing>
@@ -7344,7 +7383,7 @@
     </p:spTree>
     <p:extLst>
       <p:ext uri="{BB962C8B-B14F-4D97-AF65-F5344CB8AC3E}">
-        <p14:creationId xmlns:p14="http://schemas.microsoft.com/office/powerpoint/2010/main" val="4184257965"/>
+        <p14:creationId xmlns:p14="http://schemas.microsoft.com/office/powerpoint/2010/main" xmlns="" val="4184257965"/>
       </p:ext>
     </p:extLst>
   </p:cSld>
@@ -7354,7 +7393,7 @@
   <p:timing>
     <p:tnLst>
       <p:par>
-        <p:cTn xmlns:p14="http://schemas.microsoft.com/office/powerpoint/2010/main" id="1" dur="indefinite" restart="never" nodeType="tmRoot"/>
+        <p:cTn id="1" dur="indefinite" restart="never" nodeType="tmRoot"/>
       </p:par>
     </p:tnLst>
   </p:timing>
@@ -7529,7 +7568,7 @@
     </p:spTree>
     <p:extLst>
       <p:ext uri="{BB962C8B-B14F-4D97-AF65-F5344CB8AC3E}">
-        <p14:creationId xmlns:p14="http://schemas.microsoft.com/office/powerpoint/2010/main" val="3078027284"/>
+        <p14:creationId xmlns:p14="http://schemas.microsoft.com/office/powerpoint/2010/main" xmlns="" val="3078027284"/>
       </p:ext>
     </p:extLst>
   </p:cSld>
@@ -7751,7 +7790,7 @@
     </p:spTree>
     <p:extLst>
       <p:ext uri="{BB962C8B-B14F-4D97-AF65-F5344CB8AC3E}">
-        <p14:creationId xmlns:p14="http://schemas.microsoft.com/office/powerpoint/2010/main" val="3093117754"/>
+        <p14:creationId xmlns:p14="http://schemas.microsoft.com/office/powerpoint/2010/main" xmlns="" val="3093117754"/>
       </p:ext>
     </p:extLst>
   </p:cSld>
@@ -7909,7 +7948,7 @@
     </p:spTree>
     <p:extLst>
       <p:ext uri="{BB962C8B-B14F-4D97-AF65-F5344CB8AC3E}">
-        <p14:creationId xmlns:p14="http://schemas.microsoft.com/office/powerpoint/2010/main" val="290257321"/>
+        <p14:creationId xmlns:p14="http://schemas.microsoft.com/office/powerpoint/2010/main" xmlns="" val="290257321"/>
       </p:ext>
     </p:extLst>
   </p:cSld>
@@ -8109,7 +8148,7 @@
     </p:spTree>
     <p:extLst>
       <p:ext uri="{BB962C8B-B14F-4D97-AF65-F5344CB8AC3E}">
-        <p14:creationId xmlns:p14="http://schemas.microsoft.com/office/powerpoint/2010/main" val="1784581359"/>
+        <p14:creationId xmlns:p14="http://schemas.microsoft.com/office/powerpoint/2010/main" xmlns="" val="1784581359"/>
       </p:ext>
     </p:extLst>
   </p:cSld>
@@ -8208,8 +8247,8 @@
           <a:p>
             <a:pPr lvl="0"/>
             <a:r>
-              <a:rPr lang="en-GB" dirty="0" err="1"/>
-              <a:t>Rezeptionispersonal</a:t>
+              <a:rPr lang="en-GB" dirty="0" err="1" smtClean="0"/>
+              <a:t>Rezeptionspersonal</a:t>
             </a:r>
             <a:endParaRPr lang="de-DE" dirty="0"/>
           </a:p>
@@ -8229,7 +8268,7 @@
     </p:spTree>
     <p:extLst>
       <p:ext uri="{BB962C8B-B14F-4D97-AF65-F5344CB8AC3E}">
-        <p14:creationId xmlns:p14="http://schemas.microsoft.com/office/powerpoint/2010/main" val="4052484040"/>
+        <p14:creationId xmlns:p14="http://schemas.microsoft.com/office/powerpoint/2010/main" xmlns="" val="4052484040"/>
       </p:ext>
     </p:extLst>
   </p:cSld>
@@ -8333,7 +8372,7 @@
     </p:spTree>
     <p:extLst>
       <p:ext uri="{BB962C8B-B14F-4D97-AF65-F5344CB8AC3E}">
-        <p14:creationId xmlns:p14="http://schemas.microsoft.com/office/powerpoint/2010/main" val="3616430671"/>
+        <p14:creationId xmlns:p14="http://schemas.microsoft.com/office/powerpoint/2010/main" xmlns="" val="3616430671"/>
       </p:ext>
     </p:extLst>
   </p:cSld>
@@ -8398,10 +8437,25 @@
           <a:bodyPr/>
           <a:lstStyle/>
           <a:p>
+            <a:r>
+              <a:rPr lang="de-CH" dirty="0" smtClean="0"/>
+              <a:t>Informationsfluss zwischen den verschiedenen </a:t>
+            </a:r>
+            <a:r>
+              <a:rPr lang="de-CH" dirty="0" err="1" smtClean="0"/>
+              <a:t>Stakeholdern</a:t>
+            </a:r>
+            <a:endParaRPr lang="de-DE" dirty="0" smtClean="0"/>
+          </a:p>
+          <a:p>
             <a:pPr lvl="0"/>
             <a:r>
+              <a:rPr lang="de-CH" dirty="0" smtClean="0"/>
+              <a:t>Aneignung </a:t>
+            </a:r>
+            <a:r>
               <a:rPr lang="de-CH" dirty="0"/>
-              <a:t>Aneignung von Fachwissen zum künftigen System</a:t>
+              <a:t>von Fachwissen zum künftigen System</a:t>
             </a:r>
             <a:endParaRPr lang="de-DE" dirty="0"/>
           </a:p>
@@ -8410,18 +8464,6 @@
             <a:r>
               <a:rPr lang="de-CH" dirty="0"/>
               <a:t>Professionelles Projektmanagement</a:t>
-            </a:r>
-            <a:endParaRPr lang="de-DE" dirty="0"/>
-          </a:p>
-          <a:p>
-            <a:pPr lvl="0"/>
-            <a:r>
-              <a:rPr lang="de-CH" dirty="0"/>
-              <a:t>Informationsfluss zwischen den verschiedenen </a:t>
-            </a:r>
-            <a:r>
-              <a:rPr lang="de-CH" dirty="0" err="1"/>
-              <a:t>Stakeholdern</a:t>
             </a:r>
             <a:endParaRPr lang="de-DE" dirty="0"/>
           </a:p>
@@ -8433,7 +8475,7 @@
     </p:spTree>
     <p:extLst>
       <p:ext uri="{BB962C8B-B14F-4D97-AF65-F5344CB8AC3E}">
-        <p14:creationId xmlns:p14="http://schemas.microsoft.com/office/powerpoint/2010/main" val="2148663869"/>
+        <p14:creationId xmlns:p14="http://schemas.microsoft.com/office/powerpoint/2010/main" xmlns="" val="2148663869"/>
       </p:ext>
     </p:extLst>
   </p:cSld>
@@ -8500,8 +8542,12 @@
           <a:p>
             <a:pPr lvl="0"/>
             <a:r>
+              <a:rPr lang="de-CH" smtClean="0"/>
+              <a:t>Patienteninformationen </a:t>
+            </a:r>
+            <a:r>
               <a:rPr lang="de-CH" dirty="0"/>
-              <a:t>Patienteninformation darstellen</a:t>
+              <a:t>darstellen</a:t>
             </a:r>
             <a:endParaRPr lang="de-DE" dirty="0"/>
           </a:p>
@@ -8529,7 +8575,7 @@
     </p:spTree>
     <p:extLst>
       <p:ext uri="{BB962C8B-B14F-4D97-AF65-F5344CB8AC3E}">
-        <p14:creationId xmlns:p14="http://schemas.microsoft.com/office/powerpoint/2010/main" val="323479674"/>
+        <p14:creationId xmlns:p14="http://schemas.microsoft.com/office/powerpoint/2010/main" xmlns="" val="323479674"/>
       </p:ext>
     </p:extLst>
   </p:cSld>
@@ -8601,7 +8647,7 @@
     </p:spTree>
     <p:extLst>
       <p:ext uri="{BB962C8B-B14F-4D97-AF65-F5344CB8AC3E}">
-        <p14:creationId xmlns:p14="http://schemas.microsoft.com/office/powerpoint/2010/main" val="694502852"/>
+        <p14:creationId xmlns:p14="http://schemas.microsoft.com/office/powerpoint/2010/main" xmlns="" val="694502852"/>
       </p:ext>
     </p:extLst>
   </p:cSld>
@@ -8798,7 +8844,7 @@
     </p:spTree>
     <p:extLst>
       <p:ext uri="{BB962C8B-B14F-4D97-AF65-F5344CB8AC3E}">
-        <p14:creationId xmlns:p14="http://schemas.microsoft.com/office/powerpoint/2010/main" val="3407382275"/>
+        <p14:creationId xmlns:p14="http://schemas.microsoft.com/office/powerpoint/2010/main" xmlns="" val="3407382275"/>
       </p:ext>
     </p:extLst>
   </p:cSld>
@@ -8988,7 +9034,7 @@
     </p:spTree>
     <p:extLst>
       <p:ext uri="{BB962C8B-B14F-4D97-AF65-F5344CB8AC3E}">
-        <p14:creationId xmlns:p14="http://schemas.microsoft.com/office/powerpoint/2010/main" val="1167580600"/>
+        <p14:creationId xmlns:p14="http://schemas.microsoft.com/office/powerpoint/2010/main" xmlns="" val="1167580600"/>
       </p:ext>
     </p:extLst>
   </p:cSld>
@@ -8998,7 +9044,7 @@
   <p:timing>
     <p:tnLst>
       <p:par>
-        <p:cTn xmlns:p14="http://schemas.microsoft.com/office/powerpoint/2010/main" id="1" dur="indefinite" restart="never" nodeType="tmRoot"/>
+        <p:cTn id="1" dur="indefinite" restart="never" nodeType="tmRoot"/>
       </p:par>
     </p:tnLst>
   </p:timing>
@@ -9105,7 +9151,7 @@
     </p:spTree>
     <p:extLst>
       <p:ext uri="{BB962C8B-B14F-4D97-AF65-F5344CB8AC3E}">
-        <p14:creationId xmlns:p14="http://schemas.microsoft.com/office/powerpoint/2010/main" val="1001843000"/>
+        <p14:creationId xmlns:p14="http://schemas.microsoft.com/office/powerpoint/2010/main" xmlns="" val="1001843000"/>
       </p:ext>
     </p:extLst>
   </p:cSld>
@@ -9115,7 +9161,7 @@
   <p:timing>
     <p:tnLst>
       <p:par>
-        <p:cTn xmlns:p14="http://schemas.microsoft.com/office/powerpoint/2010/main" id="1" dur="indefinite" restart="never" nodeType="tmRoot">
+        <p:cTn id="1" dur="indefinite" restart="never" nodeType="tmRoot">
           <p:childTnLst>
             <p:seq concurrent="1" nextAc="seek">
               <p:cTn id="2" dur="indefinite" nodeType="mainSeq">

--- a/ch.bfh.bti7081.s2013.red/doc/task02/P_Task01_Task02.pptx
+++ b/ch.bfh.bti7081.s2013.red/doc/task02/P_Task01_Task02.pptx
@@ -1,6 +1,6 @@
 
 <file path=ppt/presentation.xml><?xml version="1.0" encoding="utf-8"?>
-<p:presentation xmlns:a="http://schemas.openxmlformats.org/drawingml/2006/main" xmlns:r="http://schemas.openxmlformats.org/officeDocument/2006/relationships" xmlns:p="http://schemas.openxmlformats.org/presentationml/2006/main" serverZoom="23636" saveSubsetFonts="1" autoCompressPictures="0">
+<p:presentation xmlns:a="http://schemas.openxmlformats.org/drawingml/2006/main" xmlns:r="http://schemas.openxmlformats.org/officeDocument/2006/relationships" xmlns:p="http://schemas.openxmlformats.org/presentationml/2006/main" serverZoom="16407" saveSubsetFonts="1" autoCompressPictures="0">
   <p:sldMasterIdLst>
     <p:sldMasterId id="2147483660" r:id="rId1"/>
   </p:sldMasterIdLst>
@@ -6880,7 +6880,7 @@
     </p:spTree>
     <p:extLst>
       <p:ext uri="{BB962C8B-B14F-4D97-AF65-F5344CB8AC3E}">
-        <p14:creationId xmlns:p14="http://schemas.microsoft.com/office/powerpoint/2010/main" xmlns="" val="2379335397"/>
+        <p14:creationId xmlns="" xmlns:p14="http://schemas.microsoft.com/office/powerpoint/2010/main" val="2379335397"/>
       </p:ext>
     </p:extLst>
   </p:cSld>
@@ -7019,7 +7019,7 @@
     </p:spTree>
     <p:extLst>
       <p:ext uri="{BB962C8B-B14F-4D97-AF65-F5344CB8AC3E}">
-        <p14:creationId xmlns:p14="http://schemas.microsoft.com/office/powerpoint/2010/main" xmlns="" val="2778256786"/>
+        <p14:creationId xmlns="" xmlns:p14="http://schemas.microsoft.com/office/powerpoint/2010/main" val="2778256786"/>
       </p:ext>
     </p:extLst>
   </p:cSld>
@@ -7177,7 +7177,7 @@
     </p:spTree>
     <p:extLst>
       <p:ext uri="{BB962C8B-B14F-4D97-AF65-F5344CB8AC3E}">
-        <p14:creationId xmlns:p14="http://schemas.microsoft.com/office/powerpoint/2010/main" xmlns="" val="1907135837"/>
+        <p14:creationId xmlns="" xmlns:p14="http://schemas.microsoft.com/office/powerpoint/2010/main" val="1907135837"/>
       </p:ext>
     </p:extLst>
   </p:cSld>
@@ -7383,7 +7383,7 @@
     </p:spTree>
     <p:extLst>
       <p:ext uri="{BB962C8B-B14F-4D97-AF65-F5344CB8AC3E}">
-        <p14:creationId xmlns:p14="http://schemas.microsoft.com/office/powerpoint/2010/main" xmlns="" val="4184257965"/>
+        <p14:creationId xmlns="" xmlns:p14="http://schemas.microsoft.com/office/powerpoint/2010/main" val="4184257965"/>
       </p:ext>
     </p:extLst>
   </p:cSld>
@@ -7568,7 +7568,7 @@
     </p:spTree>
     <p:extLst>
       <p:ext uri="{BB962C8B-B14F-4D97-AF65-F5344CB8AC3E}">
-        <p14:creationId xmlns:p14="http://schemas.microsoft.com/office/powerpoint/2010/main" xmlns="" val="3078027284"/>
+        <p14:creationId xmlns="" xmlns:p14="http://schemas.microsoft.com/office/powerpoint/2010/main" val="3078027284"/>
       </p:ext>
     </p:extLst>
   </p:cSld>
@@ -7790,7 +7790,7 @@
     </p:spTree>
     <p:extLst>
       <p:ext uri="{BB962C8B-B14F-4D97-AF65-F5344CB8AC3E}">
-        <p14:creationId xmlns:p14="http://schemas.microsoft.com/office/powerpoint/2010/main" xmlns="" val="3093117754"/>
+        <p14:creationId xmlns="" xmlns:p14="http://schemas.microsoft.com/office/powerpoint/2010/main" val="3093117754"/>
       </p:ext>
     </p:extLst>
   </p:cSld>
@@ -7948,7 +7948,7 @@
     </p:spTree>
     <p:extLst>
       <p:ext uri="{BB962C8B-B14F-4D97-AF65-F5344CB8AC3E}">
-        <p14:creationId xmlns:p14="http://schemas.microsoft.com/office/powerpoint/2010/main" xmlns="" val="290257321"/>
+        <p14:creationId xmlns="" xmlns:p14="http://schemas.microsoft.com/office/powerpoint/2010/main" val="290257321"/>
       </p:ext>
     </p:extLst>
   </p:cSld>
@@ -8148,7 +8148,7 @@
     </p:spTree>
     <p:extLst>
       <p:ext uri="{BB962C8B-B14F-4D97-AF65-F5344CB8AC3E}">
-        <p14:creationId xmlns:p14="http://schemas.microsoft.com/office/powerpoint/2010/main" xmlns="" val="1784581359"/>
+        <p14:creationId xmlns="" xmlns:p14="http://schemas.microsoft.com/office/powerpoint/2010/main" val="1784581359"/>
       </p:ext>
     </p:extLst>
   </p:cSld>
@@ -8268,7 +8268,7 @@
     </p:spTree>
     <p:extLst>
       <p:ext uri="{BB962C8B-B14F-4D97-AF65-F5344CB8AC3E}">
-        <p14:creationId xmlns:p14="http://schemas.microsoft.com/office/powerpoint/2010/main" xmlns="" val="4052484040"/>
+        <p14:creationId xmlns="" xmlns:p14="http://schemas.microsoft.com/office/powerpoint/2010/main" val="4052484040"/>
       </p:ext>
     </p:extLst>
   </p:cSld>
@@ -8336,7 +8336,19 @@
             <a:pPr lvl="0"/>
             <a:r>
               <a:rPr lang="de-CH" dirty="0"/>
-              <a:t>Aktuelle Informationen von Patienten, welche die Behandlung erleichtern anbieten</a:t>
+              <a:t>Aktuelle Informationen von </a:t>
+            </a:r>
+            <a:r>
+              <a:rPr lang="de-CH" dirty="0" smtClean="0"/>
+              <a:t>Patienten anbieten, </a:t>
+            </a:r>
+            <a:r>
+              <a:rPr lang="de-CH" dirty="0"/>
+              <a:t>welche die Behandlung </a:t>
+            </a:r>
+            <a:r>
+              <a:rPr lang="de-CH" dirty="0" smtClean="0"/>
+              <a:t>erleichtern</a:t>
             </a:r>
             <a:endParaRPr lang="de-DE" dirty="0"/>
           </a:p>
@@ -8372,7 +8384,7 @@
     </p:spTree>
     <p:extLst>
       <p:ext uri="{BB962C8B-B14F-4D97-AF65-F5344CB8AC3E}">
-        <p14:creationId xmlns:p14="http://schemas.microsoft.com/office/powerpoint/2010/main" xmlns="" val="3616430671"/>
+        <p14:creationId xmlns="" xmlns:p14="http://schemas.microsoft.com/office/powerpoint/2010/main" val="3616430671"/>
       </p:ext>
     </p:extLst>
   </p:cSld>
@@ -8475,7 +8487,7 @@
     </p:spTree>
     <p:extLst>
       <p:ext uri="{BB962C8B-B14F-4D97-AF65-F5344CB8AC3E}">
-        <p14:creationId xmlns:p14="http://schemas.microsoft.com/office/powerpoint/2010/main" xmlns="" val="2148663869"/>
+        <p14:creationId xmlns="" xmlns:p14="http://schemas.microsoft.com/office/powerpoint/2010/main" val="2148663869"/>
       </p:ext>
     </p:extLst>
   </p:cSld>
@@ -8575,7 +8587,7 @@
     </p:spTree>
     <p:extLst>
       <p:ext uri="{BB962C8B-B14F-4D97-AF65-F5344CB8AC3E}">
-        <p14:creationId xmlns:p14="http://schemas.microsoft.com/office/powerpoint/2010/main" xmlns="" val="323479674"/>
+        <p14:creationId xmlns="" xmlns:p14="http://schemas.microsoft.com/office/powerpoint/2010/main" val="323479674"/>
       </p:ext>
     </p:extLst>
   </p:cSld>
@@ -8647,7 +8659,7 @@
     </p:spTree>
     <p:extLst>
       <p:ext uri="{BB962C8B-B14F-4D97-AF65-F5344CB8AC3E}">
-        <p14:creationId xmlns:p14="http://schemas.microsoft.com/office/powerpoint/2010/main" xmlns="" val="694502852"/>
+        <p14:creationId xmlns="" xmlns:p14="http://schemas.microsoft.com/office/powerpoint/2010/main" val="694502852"/>
       </p:ext>
     </p:extLst>
   </p:cSld>
@@ -8844,7 +8856,7 @@
     </p:spTree>
     <p:extLst>
       <p:ext uri="{BB962C8B-B14F-4D97-AF65-F5344CB8AC3E}">
-        <p14:creationId xmlns:p14="http://schemas.microsoft.com/office/powerpoint/2010/main" xmlns="" val="3407382275"/>
+        <p14:creationId xmlns="" xmlns:p14="http://schemas.microsoft.com/office/powerpoint/2010/main" val="3407382275"/>
       </p:ext>
     </p:extLst>
   </p:cSld>
@@ -9034,7 +9046,7 @@
     </p:spTree>
     <p:extLst>
       <p:ext uri="{BB962C8B-B14F-4D97-AF65-F5344CB8AC3E}">
-        <p14:creationId xmlns:p14="http://schemas.microsoft.com/office/powerpoint/2010/main" xmlns="" val="1167580600"/>
+        <p14:creationId xmlns="" xmlns:p14="http://schemas.microsoft.com/office/powerpoint/2010/main" val="1167580600"/>
       </p:ext>
     </p:extLst>
   </p:cSld>
@@ -9151,7 +9163,7 @@
     </p:spTree>
     <p:extLst>
       <p:ext uri="{BB962C8B-B14F-4D97-AF65-F5344CB8AC3E}">
-        <p14:creationId xmlns:p14="http://schemas.microsoft.com/office/powerpoint/2010/main" xmlns="" val="1001843000"/>
+        <p14:creationId xmlns="" xmlns:p14="http://schemas.microsoft.com/office/powerpoint/2010/main" val="1001843000"/>
       </p:ext>
     </p:extLst>
   </p:cSld>
